--- a/slides/06-PythonReflection.pptx
+++ b/slides/06-PythonReflection.pptx
@@ -230,7 +230,7 @@
           <a:p>
             <a:fld id="{27CEEA13-23F5-194B-B1CF-CF175090CBFA}" type="datetimeFigureOut">
               <a:rPr lang="en-US" smtClean="0"/>
-              <a:t>10/21/18</a:t>
+              <a:t>10/22/2018</a:t>
             </a:fld>
             <a:endParaRPr lang="en-US"/>
           </a:p>
@@ -658,7 +658,7 @@
           <a:p>
             <a:fld id="{2DD5D53E-635E-BD41-B5CC-A796D6DD661B}" type="datetimeFigureOut">
               <a:rPr lang="en-US" smtClean="0"/>
-              <a:t>10/21/18</a:t>
+              <a:t>10/22/2018</a:t>
             </a:fld>
             <a:endParaRPr lang="en-US"/>
           </a:p>
@@ -988,7 +988,7 @@
           <a:p>
             <a:fld id="{2DD5D53E-635E-BD41-B5CC-A796D6DD661B}" type="datetimeFigureOut">
               <a:rPr lang="en-US" smtClean="0"/>
-              <a:t>10/21/18</a:t>
+              <a:t>10/22/2018</a:t>
             </a:fld>
             <a:endParaRPr lang="en-US"/>
           </a:p>
@@ -1168,7 +1168,7 @@
           <a:p>
             <a:fld id="{2DD5D53E-635E-BD41-B5CC-A796D6DD661B}" type="datetimeFigureOut">
               <a:rPr lang="en-US" smtClean="0"/>
-              <a:t>10/21/18</a:t>
+              <a:t>10/22/2018</a:t>
             </a:fld>
             <a:endParaRPr lang="en-US"/>
           </a:p>
@@ -1338,7 +1338,7 @@
           <a:p>
             <a:fld id="{2DD5D53E-635E-BD41-B5CC-A796D6DD661B}" type="datetimeFigureOut">
               <a:rPr lang="en-US" smtClean="0"/>
-              <a:t>10/21/18</a:t>
+              <a:t>10/22/2018</a:t>
             </a:fld>
             <a:endParaRPr lang="en-US"/>
           </a:p>
@@ -1610,7 +1610,7 @@
           <a:p>
             <a:fld id="{2DD5D53E-635E-BD41-B5CC-A796D6DD661B}" type="datetimeFigureOut">
               <a:rPr lang="en-US" smtClean="0"/>
-              <a:t>10/21/18</a:t>
+              <a:t>10/22/2018</a:t>
             </a:fld>
             <a:endParaRPr lang="en-US"/>
           </a:p>
@@ -2004,7 +2004,7 @@
           <a:p>
             <a:fld id="{2DD5D53E-635E-BD41-B5CC-A796D6DD661B}" type="datetimeFigureOut">
               <a:rPr lang="en-US" smtClean="0"/>
-              <a:t>10/21/18</a:t>
+              <a:t>10/22/2018</a:t>
             </a:fld>
             <a:endParaRPr lang="en-US"/>
           </a:p>
@@ -2481,7 +2481,7 @@
           <a:p>
             <a:fld id="{2DD5D53E-635E-BD41-B5CC-A796D6DD661B}" type="datetimeFigureOut">
               <a:rPr lang="en-US" smtClean="0"/>
-              <a:t>10/21/18</a:t>
+              <a:t>10/22/2018</a:t>
             </a:fld>
             <a:endParaRPr lang="en-US"/>
           </a:p>
@@ -2599,7 +2599,7 @@
           <a:p>
             <a:fld id="{2DD5D53E-635E-BD41-B5CC-A796D6DD661B}" type="datetimeFigureOut">
               <a:rPr lang="en-US" smtClean="0"/>
-              <a:t>10/21/18</a:t>
+              <a:t>10/22/2018</a:t>
             </a:fld>
             <a:endParaRPr lang="en-US"/>
           </a:p>
@@ -2694,7 +2694,7 @@
           <a:p>
             <a:fld id="{2DD5D53E-635E-BD41-B5CC-A796D6DD661B}" type="datetimeFigureOut">
               <a:rPr lang="en-US" smtClean="0"/>
-              <a:t>10/21/18</a:t>
+              <a:t>10/22/2018</a:t>
             </a:fld>
             <a:endParaRPr lang="en-US"/>
           </a:p>
@@ -3040,7 +3040,7 @@
           <a:p>
             <a:fld id="{2DD5D53E-635E-BD41-B5CC-A796D6DD661B}" type="datetimeFigureOut">
               <a:rPr lang="en-US" smtClean="0"/>
-              <a:t>10/21/18</a:t>
+              <a:t>10/22/2018</a:t>
             </a:fld>
             <a:endParaRPr lang="en-US"/>
           </a:p>
@@ -3428,7 +3428,7 @@
           <a:p>
             <a:fld id="{2DD5D53E-635E-BD41-B5CC-A796D6DD661B}" type="datetimeFigureOut">
               <a:rPr lang="en-US" smtClean="0"/>
-              <a:t>10/21/18</a:t>
+              <a:t>10/22/2018</a:t>
             </a:fld>
             <a:endParaRPr lang="en-US"/>
           </a:p>
@@ -3703,7 +3703,7 @@
           <a:p>
             <a:fld id="{2DD5D53E-635E-BD41-B5CC-A796D6DD661B}" type="datetimeFigureOut">
               <a:rPr lang="en-US" smtClean="0"/>
-              <a:t>10/21/18</a:t>
+              <a:t>10/22/2018</a:t>
             </a:fld>
             <a:endParaRPr lang="en-US"/>
           </a:p>
@@ -4220,7 +4220,7 @@
           <p:cNvPr id="2" name="Title 1">
             <a:extLst>
               <a:ext uri="{FF2B5EF4-FFF2-40B4-BE49-F238E27FC236}">
-                <a16:creationId xmlns:a16="http://schemas.microsoft.com/office/drawing/2014/main" id="{DE16E592-AB57-F44A-9BF7-336AE1D082B8}"/>
+                <a16:creationId xmlns:a16="http://schemas.microsoft.com/office/drawing/2014/main" xmlns="" id="{DE16E592-AB57-F44A-9BF7-336AE1D082B8}"/>
               </a:ext>
             </a:extLst>
           </p:cNvPr>
@@ -4253,7 +4253,7 @@
           <p:cNvPr id="3" name="Subtitle 2">
             <a:extLst>
               <a:ext uri="{FF2B5EF4-FFF2-40B4-BE49-F238E27FC236}">
-                <a16:creationId xmlns:a16="http://schemas.microsoft.com/office/drawing/2014/main" id="{55D28706-CC86-264A-8B04-77B6FFEED69A}"/>
+                <a16:creationId xmlns:a16="http://schemas.microsoft.com/office/drawing/2014/main" xmlns="" id="{55D28706-CC86-264A-8B04-77B6FFEED69A}"/>
               </a:ext>
             </a:extLst>
           </p:cNvPr>
@@ -4325,7 +4325,7 @@
           <p:cNvPr id="2" name="Title 1">
             <a:extLst>
               <a:ext uri="{FF2B5EF4-FFF2-40B4-BE49-F238E27FC236}">
-                <a16:creationId xmlns:a16="http://schemas.microsoft.com/office/drawing/2014/main" id="{1413E4C1-72BC-4A4A-AA21-F2C776132516}"/>
+                <a16:creationId xmlns:a16="http://schemas.microsoft.com/office/drawing/2014/main" xmlns="" id="{1413E4C1-72BC-4A4A-AA21-F2C776132516}"/>
               </a:ext>
             </a:extLst>
           </p:cNvPr>
@@ -4367,7 +4367,7 @@
           <p:cNvPr id="3" name="TextBox 2">
             <a:extLst>
               <a:ext uri="{FF2B5EF4-FFF2-40B4-BE49-F238E27FC236}">
-                <a16:creationId xmlns:a16="http://schemas.microsoft.com/office/drawing/2014/main" id="{A648CD92-598E-2D4A-8B7E-B624EABDA4AE}"/>
+                <a16:creationId xmlns:a16="http://schemas.microsoft.com/office/drawing/2014/main" xmlns="" id="{A648CD92-598E-2D4A-8B7E-B624EABDA4AE}"/>
               </a:ext>
             </a:extLst>
           </p:cNvPr>
@@ -4482,7 +4482,7 @@
           <p:cNvPr id="2" name="Title 1">
             <a:extLst>
               <a:ext uri="{FF2B5EF4-FFF2-40B4-BE49-F238E27FC236}">
-                <a16:creationId xmlns:a16="http://schemas.microsoft.com/office/drawing/2014/main" id="{1413E4C1-72BC-4A4A-AA21-F2C776132516}"/>
+                <a16:creationId xmlns:a16="http://schemas.microsoft.com/office/drawing/2014/main" xmlns="" id="{1413E4C1-72BC-4A4A-AA21-F2C776132516}"/>
               </a:ext>
             </a:extLst>
           </p:cNvPr>
@@ -4524,7 +4524,7 @@
           <p:cNvPr id="5" name="Content Placeholder 2">
             <a:extLst>
               <a:ext uri="{FF2B5EF4-FFF2-40B4-BE49-F238E27FC236}">
-                <a16:creationId xmlns:a16="http://schemas.microsoft.com/office/drawing/2014/main" id="{D1BD4399-B92E-9641-AB77-2509DE8951A3}"/>
+                <a16:creationId xmlns:a16="http://schemas.microsoft.com/office/drawing/2014/main" xmlns="" id="{D1BD4399-B92E-9641-AB77-2509DE8951A3}"/>
               </a:ext>
             </a:extLst>
           </p:cNvPr>
@@ -5484,7 +5484,7 @@
           <p:cNvPr id="4" name="Content Placeholder 2">
             <a:extLst>
               <a:ext uri="{FF2B5EF4-FFF2-40B4-BE49-F238E27FC236}">
-                <a16:creationId xmlns:a16="http://schemas.microsoft.com/office/drawing/2014/main" id="{1C78243B-A9AE-0246-9364-57FF8B9265A3}"/>
+                <a16:creationId xmlns:a16="http://schemas.microsoft.com/office/drawing/2014/main" xmlns="" id="{1C78243B-A9AE-0246-9364-57FF8B9265A3}"/>
               </a:ext>
             </a:extLst>
           </p:cNvPr>
@@ -6577,7 +6577,7 @@
           <p:cNvPr id="2" name="Title 1">
             <a:extLst>
               <a:ext uri="{FF2B5EF4-FFF2-40B4-BE49-F238E27FC236}">
-                <a16:creationId xmlns:a16="http://schemas.microsoft.com/office/drawing/2014/main" id="{1413E4C1-72BC-4A4A-AA21-F2C776132516}"/>
+                <a16:creationId xmlns:a16="http://schemas.microsoft.com/office/drawing/2014/main" xmlns="" id="{1413E4C1-72BC-4A4A-AA21-F2C776132516}"/>
               </a:ext>
             </a:extLst>
           </p:cNvPr>
@@ -6622,7 +6622,7 @@
           <p:cNvPr id="5" name="Content Placeholder 2">
             <a:extLst>
               <a:ext uri="{FF2B5EF4-FFF2-40B4-BE49-F238E27FC236}">
-                <a16:creationId xmlns:a16="http://schemas.microsoft.com/office/drawing/2014/main" id="{D1BD4399-B92E-9641-AB77-2509DE8951A3}"/>
+                <a16:creationId xmlns:a16="http://schemas.microsoft.com/office/drawing/2014/main" xmlns="" id="{D1BD4399-B92E-9641-AB77-2509DE8951A3}"/>
               </a:ext>
             </a:extLst>
           </p:cNvPr>
@@ -7213,7 +7213,7 @@
           <p:cNvPr id="4" name="Content Placeholder 2">
             <a:extLst>
               <a:ext uri="{FF2B5EF4-FFF2-40B4-BE49-F238E27FC236}">
-                <a16:creationId xmlns:a16="http://schemas.microsoft.com/office/drawing/2014/main" id="{1C78243B-A9AE-0246-9364-57FF8B9265A3}"/>
+                <a16:creationId xmlns:a16="http://schemas.microsoft.com/office/drawing/2014/main" xmlns="" id="{1C78243B-A9AE-0246-9364-57FF8B9265A3}"/>
               </a:ext>
             </a:extLst>
           </p:cNvPr>
@@ -8365,7 +8365,7 @@
           <p:cNvPr id="2" name="Title 1">
             <a:extLst>
               <a:ext uri="{FF2B5EF4-FFF2-40B4-BE49-F238E27FC236}">
-                <a16:creationId xmlns:a16="http://schemas.microsoft.com/office/drawing/2014/main" id="{60372568-3DA9-2644-AF89-03CAEC1290B8}"/>
+                <a16:creationId xmlns:a16="http://schemas.microsoft.com/office/drawing/2014/main" xmlns="" id="{60372568-3DA9-2644-AF89-03CAEC1290B8}"/>
               </a:ext>
             </a:extLst>
           </p:cNvPr>
@@ -8398,7 +8398,7 @@
           <p:cNvPr id="4" name="Content Placeholder 2">
             <a:extLst>
               <a:ext uri="{FF2B5EF4-FFF2-40B4-BE49-F238E27FC236}">
-                <a16:creationId xmlns:a16="http://schemas.microsoft.com/office/drawing/2014/main" id="{E16DC445-5607-284E-929A-F9CF5C2DA6F7}"/>
+                <a16:creationId xmlns:a16="http://schemas.microsoft.com/office/drawing/2014/main" xmlns="" id="{E16DC445-5607-284E-929A-F9CF5C2DA6F7}"/>
               </a:ext>
             </a:extLst>
           </p:cNvPr>
@@ -9587,7 +9587,7 @@
           <p:cNvPr id="2" name="Title 1">
             <a:extLst>
               <a:ext uri="{FF2B5EF4-FFF2-40B4-BE49-F238E27FC236}">
-                <a16:creationId xmlns:a16="http://schemas.microsoft.com/office/drawing/2014/main" id="{1413E4C1-72BC-4A4A-AA21-F2C776132516}"/>
+                <a16:creationId xmlns:a16="http://schemas.microsoft.com/office/drawing/2014/main" xmlns="" id="{1413E4C1-72BC-4A4A-AA21-F2C776132516}"/>
               </a:ext>
             </a:extLst>
           </p:cNvPr>
@@ -9629,7 +9629,7 @@
           <p:cNvPr id="5" name="Content Placeholder 2">
             <a:extLst>
               <a:ext uri="{FF2B5EF4-FFF2-40B4-BE49-F238E27FC236}">
-                <a16:creationId xmlns:a16="http://schemas.microsoft.com/office/drawing/2014/main" id="{D1BD4399-B92E-9641-AB77-2509DE8951A3}"/>
+                <a16:creationId xmlns:a16="http://schemas.microsoft.com/office/drawing/2014/main" xmlns="" id="{D1BD4399-B92E-9641-AB77-2509DE8951A3}"/>
               </a:ext>
             </a:extLst>
           </p:cNvPr>
@@ -9998,7 +9998,7 @@
           <p:cNvPr id="4" name="Content Placeholder 2">
             <a:extLst>
               <a:ext uri="{FF2B5EF4-FFF2-40B4-BE49-F238E27FC236}">
-                <a16:creationId xmlns:a16="http://schemas.microsoft.com/office/drawing/2014/main" id="{1C78243B-A9AE-0246-9364-57FF8B9265A3}"/>
+                <a16:creationId xmlns:a16="http://schemas.microsoft.com/office/drawing/2014/main" xmlns="" id="{1C78243B-A9AE-0246-9364-57FF8B9265A3}"/>
               </a:ext>
             </a:extLst>
           </p:cNvPr>
@@ -11091,7 +11091,7 @@
           <p:cNvPr id="2" name="Title 1">
             <a:extLst>
               <a:ext uri="{FF2B5EF4-FFF2-40B4-BE49-F238E27FC236}">
-                <a16:creationId xmlns:a16="http://schemas.microsoft.com/office/drawing/2014/main" id="{1413E4C1-72BC-4A4A-AA21-F2C776132516}"/>
+                <a16:creationId xmlns:a16="http://schemas.microsoft.com/office/drawing/2014/main" xmlns="" id="{1413E4C1-72BC-4A4A-AA21-F2C776132516}"/>
               </a:ext>
             </a:extLst>
           </p:cNvPr>
@@ -11133,7 +11133,7 @@
           <p:cNvPr id="5" name="Content Placeholder 2">
             <a:extLst>
               <a:ext uri="{FF2B5EF4-FFF2-40B4-BE49-F238E27FC236}">
-                <a16:creationId xmlns:a16="http://schemas.microsoft.com/office/drawing/2014/main" id="{D1BD4399-B92E-9641-AB77-2509DE8951A3}"/>
+                <a16:creationId xmlns:a16="http://schemas.microsoft.com/office/drawing/2014/main" xmlns="" id="{D1BD4399-B92E-9641-AB77-2509DE8951A3}"/>
               </a:ext>
             </a:extLst>
           </p:cNvPr>
@@ -12173,7 +12173,7 @@
           <p:cNvPr id="4" name="Content Placeholder 2">
             <a:extLst>
               <a:ext uri="{FF2B5EF4-FFF2-40B4-BE49-F238E27FC236}">
-                <a16:creationId xmlns:a16="http://schemas.microsoft.com/office/drawing/2014/main" id="{1C78243B-A9AE-0246-9364-57FF8B9265A3}"/>
+                <a16:creationId xmlns:a16="http://schemas.microsoft.com/office/drawing/2014/main" xmlns="" id="{1C78243B-A9AE-0246-9364-57FF8B9265A3}"/>
               </a:ext>
             </a:extLst>
           </p:cNvPr>
@@ -13288,7 +13288,7 @@
           <p:cNvPr id="2" name="Title 1">
             <a:extLst>
               <a:ext uri="{FF2B5EF4-FFF2-40B4-BE49-F238E27FC236}">
-                <a16:creationId xmlns:a16="http://schemas.microsoft.com/office/drawing/2014/main" id="{1413E4C1-72BC-4A4A-AA21-F2C776132516}"/>
+                <a16:creationId xmlns:a16="http://schemas.microsoft.com/office/drawing/2014/main" xmlns="" id="{1413E4C1-72BC-4A4A-AA21-F2C776132516}"/>
               </a:ext>
             </a:extLst>
           </p:cNvPr>
@@ -13334,7 +13334,7 @@
           <p:cNvPr id="5" name="Content Placeholder 2">
             <a:extLst>
               <a:ext uri="{FF2B5EF4-FFF2-40B4-BE49-F238E27FC236}">
-                <a16:creationId xmlns:a16="http://schemas.microsoft.com/office/drawing/2014/main" id="{D1BD4399-B92E-9641-AB77-2509DE8951A3}"/>
+                <a16:creationId xmlns:a16="http://schemas.microsoft.com/office/drawing/2014/main" xmlns="" id="{D1BD4399-B92E-9641-AB77-2509DE8951A3}"/>
               </a:ext>
             </a:extLst>
           </p:cNvPr>
@@ -13719,7 +13719,7 @@
           <p:cNvPr id="3" name="TextBox 2">
             <a:extLst>
               <a:ext uri="{FF2B5EF4-FFF2-40B4-BE49-F238E27FC236}">
-                <a16:creationId xmlns:a16="http://schemas.microsoft.com/office/drawing/2014/main" id="{0D285C94-3898-C14B-83B0-63E955AAFCE8}"/>
+                <a16:creationId xmlns:a16="http://schemas.microsoft.com/office/drawing/2014/main" xmlns="" id="{0D285C94-3898-C14B-83B0-63E955AAFCE8}"/>
               </a:ext>
             </a:extLst>
           </p:cNvPr>
@@ -14252,7 +14252,7 @@
           <p:cNvPr id="2" name="Title 1">
             <a:extLst>
               <a:ext uri="{FF2B5EF4-FFF2-40B4-BE49-F238E27FC236}">
-                <a16:creationId xmlns:a16="http://schemas.microsoft.com/office/drawing/2014/main" id="{60372568-3DA9-2644-AF89-03CAEC1290B8}"/>
+                <a16:creationId xmlns:a16="http://schemas.microsoft.com/office/drawing/2014/main" xmlns="" id="{60372568-3DA9-2644-AF89-03CAEC1290B8}"/>
               </a:ext>
             </a:extLst>
           </p:cNvPr>
@@ -14285,7 +14285,7 @@
           <p:cNvPr id="4" name="Content Placeholder 2">
             <a:extLst>
               <a:ext uri="{FF2B5EF4-FFF2-40B4-BE49-F238E27FC236}">
-                <a16:creationId xmlns:a16="http://schemas.microsoft.com/office/drawing/2014/main" id="{E16DC445-5607-284E-929A-F9CF5C2DA6F7}"/>
+                <a16:creationId xmlns:a16="http://schemas.microsoft.com/office/drawing/2014/main" xmlns="" id="{E16DC445-5607-284E-929A-F9CF5C2DA6F7}"/>
               </a:ext>
             </a:extLst>
           </p:cNvPr>
@@ -15486,7 +15486,7 @@
           <p:cNvPr id="2" name="Title 1">
             <a:extLst>
               <a:ext uri="{FF2B5EF4-FFF2-40B4-BE49-F238E27FC236}">
-                <a16:creationId xmlns:a16="http://schemas.microsoft.com/office/drawing/2014/main" id="{5A7D0096-3153-3D4E-996D-4DD498FDAB4A}"/>
+                <a16:creationId xmlns:a16="http://schemas.microsoft.com/office/drawing/2014/main" xmlns="" id="{5A7D0096-3153-3D4E-996D-4DD498FDAB4A}"/>
               </a:ext>
             </a:extLst>
           </p:cNvPr>
@@ -15514,7 +15514,7 @@
           <p:cNvPr id="3" name="Content Placeholder 2">
             <a:extLst>
               <a:ext uri="{FF2B5EF4-FFF2-40B4-BE49-F238E27FC236}">
-                <a16:creationId xmlns:a16="http://schemas.microsoft.com/office/drawing/2014/main" id="{73ACE277-4DFD-F244-B643-C3311A3E6F30}"/>
+                <a16:creationId xmlns:a16="http://schemas.microsoft.com/office/drawing/2014/main" xmlns="" id="{73ACE277-4DFD-F244-B643-C3311A3E6F30}"/>
               </a:ext>
             </a:extLst>
           </p:cNvPr>
@@ -15618,7 +15618,7 @@
           <p:cNvPr id="2" name="Title 1">
             <a:extLst>
               <a:ext uri="{FF2B5EF4-FFF2-40B4-BE49-F238E27FC236}">
-                <a16:creationId xmlns:a16="http://schemas.microsoft.com/office/drawing/2014/main" id="{DD97B76C-185C-4346-AC54-FAD56AE6B3D6}"/>
+                <a16:creationId xmlns:a16="http://schemas.microsoft.com/office/drawing/2014/main" xmlns="" id="{DD97B76C-185C-4346-AC54-FAD56AE6B3D6}"/>
               </a:ext>
             </a:extLst>
           </p:cNvPr>
@@ -15646,7 +15646,7 @@
           <p:cNvPr id="3" name="Content Placeholder 2">
             <a:extLst>
               <a:ext uri="{FF2B5EF4-FFF2-40B4-BE49-F238E27FC236}">
-                <a16:creationId xmlns:a16="http://schemas.microsoft.com/office/drawing/2014/main" id="{A6685D6E-B906-D646-A4A2-E62EA78AAA99}"/>
+                <a16:creationId xmlns:a16="http://schemas.microsoft.com/office/drawing/2014/main" xmlns="" id="{A6685D6E-B906-D646-A4A2-E62EA78AAA99}"/>
               </a:ext>
             </a:extLst>
           </p:cNvPr>
@@ -15705,7 +15705,7 @@
           <p:cNvPr id="4" name="Content Placeholder 2">
             <a:extLst>
               <a:ext uri="{FF2B5EF4-FFF2-40B4-BE49-F238E27FC236}">
-                <a16:creationId xmlns:a16="http://schemas.microsoft.com/office/drawing/2014/main" id="{62F5A380-9006-CE46-9184-199305B7B4B2}"/>
+                <a16:creationId xmlns:a16="http://schemas.microsoft.com/office/drawing/2014/main" xmlns="" id="{62F5A380-9006-CE46-9184-199305B7B4B2}"/>
               </a:ext>
             </a:extLst>
           </p:cNvPr>
@@ -16383,7 +16383,7 @@
           <p:cNvPr id="5" name="TextBox 4">
             <a:extLst>
               <a:ext uri="{FF2B5EF4-FFF2-40B4-BE49-F238E27FC236}">
-                <a16:creationId xmlns:a16="http://schemas.microsoft.com/office/drawing/2014/main" id="{E265CE58-5AFB-EF42-98A2-4374D042E9F5}"/>
+                <a16:creationId xmlns:a16="http://schemas.microsoft.com/office/drawing/2014/main" xmlns="" id="{E265CE58-5AFB-EF42-98A2-4374D042E9F5}"/>
               </a:ext>
             </a:extLst>
           </p:cNvPr>
@@ -17161,7 +17161,7 @@
           <p:cNvPr id="2" name="Title 1">
             <a:extLst>
               <a:ext uri="{FF2B5EF4-FFF2-40B4-BE49-F238E27FC236}">
-                <a16:creationId xmlns:a16="http://schemas.microsoft.com/office/drawing/2014/main" id="{8CA1928F-2599-6946-AFA0-793B4EA27F6A}"/>
+                <a16:creationId xmlns:a16="http://schemas.microsoft.com/office/drawing/2014/main" xmlns="" id="{8CA1928F-2599-6946-AFA0-793B4EA27F6A}"/>
               </a:ext>
             </a:extLst>
           </p:cNvPr>
@@ -17194,7 +17194,7 @@
           <p:cNvPr id="3" name="Content Placeholder 2">
             <a:extLst>
               <a:ext uri="{FF2B5EF4-FFF2-40B4-BE49-F238E27FC236}">
-                <a16:creationId xmlns:a16="http://schemas.microsoft.com/office/drawing/2014/main" id="{F5C7A69E-FEF0-FB44-A7FE-1C41D07AFE0B}"/>
+                <a16:creationId xmlns:a16="http://schemas.microsoft.com/office/drawing/2014/main" xmlns="" id="{F5C7A69E-FEF0-FB44-A7FE-1C41D07AFE0B}"/>
               </a:ext>
             </a:extLst>
           </p:cNvPr>
@@ -17260,7 +17260,7 @@
           <p:cNvPr id="4" name="TextBox 3">
             <a:extLst>
               <a:ext uri="{FF2B5EF4-FFF2-40B4-BE49-F238E27FC236}">
-                <a16:creationId xmlns:a16="http://schemas.microsoft.com/office/drawing/2014/main" id="{29A1BD63-81CC-2241-ABB0-40E373E2AAA5}"/>
+                <a16:creationId xmlns:a16="http://schemas.microsoft.com/office/drawing/2014/main" xmlns="" id="{29A1BD63-81CC-2241-ABB0-40E373E2AAA5}"/>
               </a:ext>
             </a:extLst>
           </p:cNvPr>
@@ -17321,7 +17321,7 @@
           <p:cNvPr id="5" name="TextBox 4">
             <a:extLst>
               <a:ext uri="{FF2B5EF4-FFF2-40B4-BE49-F238E27FC236}">
-                <a16:creationId xmlns:a16="http://schemas.microsoft.com/office/drawing/2014/main" id="{2968CDFF-7955-B04C-B088-54F1CF398EBA}"/>
+                <a16:creationId xmlns:a16="http://schemas.microsoft.com/office/drawing/2014/main" xmlns="" id="{2968CDFF-7955-B04C-B088-54F1CF398EBA}"/>
               </a:ext>
             </a:extLst>
           </p:cNvPr>
@@ -17382,7 +17382,7 @@
           <p:cNvPr id="7" name="Straight Connector 6">
             <a:extLst>
               <a:ext uri="{FF2B5EF4-FFF2-40B4-BE49-F238E27FC236}">
-                <a16:creationId xmlns:a16="http://schemas.microsoft.com/office/drawing/2014/main" id="{C507068F-1C78-B347-9E07-37529E680761}"/>
+                <a16:creationId xmlns:a16="http://schemas.microsoft.com/office/drawing/2014/main" xmlns="" id="{C507068F-1C78-B347-9E07-37529E680761}"/>
               </a:ext>
             </a:extLst>
           </p:cNvPr>
@@ -17455,7 +17455,7 @@
           <p:cNvPr id="2" name="Title 1">
             <a:extLst>
               <a:ext uri="{FF2B5EF4-FFF2-40B4-BE49-F238E27FC236}">
-                <a16:creationId xmlns:a16="http://schemas.microsoft.com/office/drawing/2014/main" id="{1AC9CF3B-3EDA-CF4B-8BDB-8E3403C0B12D}"/>
+                <a16:creationId xmlns:a16="http://schemas.microsoft.com/office/drawing/2014/main" xmlns="" id="{1AC9CF3B-3EDA-CF4B-8BDB-8E3403C0B12D}"/>
               </a:ext>
             </a:extLst>
           </p:cNvPr>
@@ -17500,7 +17500,7 @@
           <p:cNvPr id="4" name="Content Placeholder 2">
             <a:extLst>
               <a:ext uri="{FF2B5EF4-FFF2-40B4-BE49-F238E27FC236}">
-                <a16:creationId xmlns:a16="http://schemas.microsoft.com/office/drawing/2014/main" id="{86B8BDEA-99BF-C248-B8C7-3F98836EAC66}"/>
+                <a16:creationId xmlns:a16="http://schemas.microsoft.com/office/drawing/2014/main" xmlns="" id="{86B8BDEA-99BF-C248-B8C7-3F98836EAC66}"/>
               </a:ext>
             </a:extLst>
           </p:cNvPr>
@@ -18803,7 +18803,7 @@
           <p:cNvPr id="2" name="Title 1">
             <a:extLst>
               <a:ext uri="{FF2B5EF4-FFF2-40B4-BE49-F238E27FC236}">
-                <a16:creationId xmlns:a16="http://schemas.microsoft.com/office/drawing/2014/main" id="{1AC9CF3B-3EDA-CF4B-8BDB-8E3403C0B12D}"/>
+                <a16:creationId xmlns:a16="http://schemas.microsoft.com/office/drawing/2014/main" xmlns="" id="{1AC9CF3B-3EDA-CF4B-8BDB-8E3403C0B12D}"/>
               </a:ext>
             </a:extLst>
           </p:cNvPr>
@@ -18848,7 +18848,7 @@
           <p:cNvPr id="4" name="Content Placeholder 2">
             <a:extLst>
               <a:ext uri="{FF2B5EF4-FFF2-40B4-BE49-F238E27FC236}">
-                <a16:creationId xmlns:a16="http://schemas.microsoft.com/office/drawing/2014/main" id="{86B8BDEA-99BF-C248-B8C7-3F98836EAC66}"/>
+                <a16:creationId xmlns:a16="http://schemas.microsoft.com/office/drawing/2014/main" xmlns="" id="{86B8BDEA-99BF-C248-B8C7-3F98836EAC66}"/>
               </a:ext>
             </a:extLst>
           </p:cNvPr>
@@ -19303,7 +19303,7 @@
           <p:cNvPr id="3" name="TextBox 2">
             <a:extLst>
               <a:ext uri="{FF2B5EF4-FFF2-40B4-BE49-F238E27FC236}">
-                <a16:creationId xmlns:a16="http://schemas.microsoft.com/office/drawing/2014/main" id="{F8E9A5CD-A0FE-294C-9063-F5023C872275}"/>
+                <a16:creationId xmlns:a16="http://schemas.microsoft.com/office/drawing/2014/main" xmlns="" id="{F8E9A5CD-A0FE-294C-9063-F5023C872275}"/>
               </a:ext>
             </a:extLst>
           </p:cNvPr>
@@ -19351,7 +19351,7 @@
           <p:cNvPr id="5" name="Content Placeholder 2">
             <a:extLst>
               <a:ext uri="{FF2B5EF4-FFF2-40B4-BE49-F238E27FC236}">
-                <a16:creationId xmlns:a16="http://schemas.microsoft.com/office/drawing/2014/main" id="{DFA1D1F4-7C09-0148-A99F-5782522C5A79}"/>
+                <a16:creationId xmlns:a16="http://schemas.microsoft.com/office/drawing/2014/main" xmlns="" id="{DFA1D1F4-7C09-0148-A99F-5782522C5A79}"/>
               </a:ext>
             </a:extLst>
           </p:cNvPr>
@@ -20728,7 +20728,7 @@
           <p:cNvPr id="2" name="Title 1">
             <a:extLst>
               <a:ext uri="{FF2B5EF4-FFF2-40B4-BE49-F238E27FC236}">
-                <a16:creationId xmlns:a16="http://schemas.microsoft.com/office/drawing/2014/main" id="{60372568-3DA9-2644-AF89-03CAEC1290B8}"/>
+                <a16:creationId xmlns:a16="http://schemas.microsoft.com/office/drawing/2014/main" xmlns="" id="{60372568-3DA9-2644-AF89-03CAEC1290B8}"/>
               </a:ext>
             </a:extLst>
           </p:cNvPr>
@@ -20761,7 +20761,7 @@
           <p:cNvPr id="4" name="Content Placeholder 2">
             <a:extLst>
               <a:ext uri="{FF2B5EF4-FFF2-40B4-BE49-F238E27FC236}">
-                <a16:creationId xmlns:a16="http://schemas.microsoft.com/office/drawing/2014/main" id="{E16DC445-5607-284E-929A-F9CF5C2DA6F7}"/>
+                <a16:creationId xmlns:a16="http://schemas.microsoft.com/office/drawing/2014/main" xmlns="" id="{E16DC445-5607-284E-929A-F9CF5C2DA6F7}"/>
               </a:ext>
             </a:extLst>
           </p:cNvPr>
@@ -21974,7 +21974,7 @@
           <p:cNvPr id="2" name="Title 1">
             <a:extLst>
               <a:ext uri="{FF2B5EF4-FFF2-40B4-BE49-F238E27FC236}">
-                <a16:creationId xmlns:a16="http://schemas.microsoft.com/office/drawing/2014/main" id="{B2DB57CE-9F4B-6F48-824F-93D0E9935319}"/>
+                <a16:creationId xmlns:a16="http://schemas.microsoft.com/office/drawing/2014/main" xmlns="" id="{B2DB57CE-9F4B-6F48-824F-93D0E9935319}"/>
               </a:ext>
             </a:extLst>
           </p:cNvPr>
@@ -22016,7 +22016,7 @@
           <p:cNvPr id="4" name="Content Placeholder 2">
             <a:extLst>
               <a:ext uri="{FF2B5EF4-FFF2-40B4-BE49-F238E27FC236}">
-                <a16:creationId xmlns:a16="http://schemas.microsoft.com/office/drawing/2014/main" id="{73183F6A-8A99-7E49-87DE-DA5EC7AEA37D}"/>
+                <a16:creationId xmlns:a16="http://schemas.microsoft.com/office/drawing/2014/main" xmlns="" id="{73183F6A-8A99-7E49-87DE-DA5EC7AEA37D}"/>
               </a:ext>
             </a:extLst>
           </p:cNvPr>
@@ -23064,7 +23064,7 @@
           <p:cNvPr id="2" name="Title 1">
             <a:extLst>
               <a:ext uri="{FF2B5EF4-FFF2-40B4-BE49-F238E27FC236}">
-                <a16:creationId xmlns:a16="http://schemas.microsoft.com/office/drawing/2014/main" id="{60372568-3DA9-2644-AF89-03CAEC1290B8}"/>
+                <a16:creationId xmlns:a16="http://schemas.microsoft.com/office/drawing/2014/main" xmlns="" id="{60372568-3DA9-2644-AF89-03CAEC1290B8}"/>
               </a:ext>
             </a:extLst>
           </p:cNvPr>
@@ -23097,7 +23097,7 @@
           <p:cNvPr id="4" name="Content Placeholder 2">
             <a:extLst>
               <a:ext uri="{FF2B5EF4-FFF2-40B4-BE49-F238E27FC236}">
-                <a16:creationId xmlns:a16="http://schemas.microsoft.com/office/drawing/2014/main" id="{E16DC445-5607-284E-929A-F9CF5C2DA6F7}"/>
+                <a16:creationId xmlns:a16="http://schemas.microsoft.com/office/drawing/2014/main" xmlns="" id="{E16DC445-5607-284E-929A-F9CF5C2DA6F7}"/>
               </a:ext>
             </a:extLst>
           </p:cNvPr>
@@ -24346,7 +24346,7 @@
           <p:cNvPr id="3" name="Content Placeholder 2">
             <a:extLst>
               <a:ext uri="{FF2B5EF4-FFF2-40B4-BE49-F238E27FC236}">
-                <a16:creationId xmlns:a16="http://schemas.microsoft.com/office/drawing/2014/main" id="{85BB19F9-7ED1-0E47-8CB8-7B629369D559}"/>
+                <a16:creationId xmlns:a16="http://schemas.microsoft.com/office/drawing/2014/main" xmlns="" id="{85BB19F9-7ED1-0E47-8CB8-7B629369D559}"/>
               </a:ext>
             </a:extLst>
           </p:cNvPr>
@@ -24464,7 +24464,7 @@
           <p:cNvPr id="2" name="Title 1">
             <a:extLst>
               <a:ext uri="{FF2B5EF4-FFF2-40B4-BE49-F238E27FC236}">
-                <a16:creationId xmlns:a16="http://schemas.microsoft.com/office/drawing/2014/main" id="{457A5D8F-B89D-A344-ADCA-DB5800654874}"/>
+                <a16:creationId xmlns:a16="http://schemas.microsoft.com/office/drawing/2014/main" xmlns="" id="{457A5D8F-B89D-A344-ADCA-DB5800654874}"/>
               </a:ext>
             </a:extLst>
           </p:cNvPr>
@@ -24501,7 +24501,7 @@
           <p:cNvPr id="3" name="Content Placeholder 2">
             <a:extLst>
               <a:ext uri="{FF2B5EF4-FFF2-40B4-BE49-F238E27FC236}">
-                <a16:creationId xmlns:a16="http://schemas.microsoft.com/office/drawing/2014/main" id="{7A4914F0-0989-7B4C-8CBD-4381FD563937}"/>
+                <a16:creationId xmlns:a16="http://schemas.microsoft.com/office/drawing/2014/main" xmlns="" id="{7A4914F0-0989-7B4C-8CBD-4381FD563937}"/>
               </a:ext>
             </a:extLst>
           </p:cNvPr>
@@ -24608,7 +24608,7 @@
           <p:cNvPr id="4" name="Content Placeholder 2">
             <a:extLst>
               <a:ext uri="{FF2B5EF4-FFF2-40B4-BE49-F238E27FC236}">
-                <a16:creationId xmlns:a16="http://schemas.microsoft.com/office/drawing/2014/main" id="{BBB50FF3-0EFA-CB4C-B1E8-09F9E0A94037}"/>
+                <a16:creationId xmlns:a16="http://schemas.microsoft.com/office/drawing/2014/main" xmlns="" id="{BBB50FF3-0EFA-CB4C-B1E8-09F9E0A94037}"/>
               </a:ext>
             </a:extLst>
           </p:cNvPr>
@@ -25616,7 +25616,7 @@
           <p:cNvPr id="2" name="Title 1">
             <a:extLst>
               <a:ext uri="{FF2B5EF4-FFF2-40B4-BE49-F238E27FC236}">
-                <a16:creationId xmlns:a16="http://schemas.microsoft.com/office/drawing/2014/main" id="{457A5D8F-B89D-A344-ADCA-DB5800654874}"/>
+                <a16:creationId xmlns:a16="http://schemas.microsoft.com/office/drawing/2014/main" xmlns="" id="{457A5D8F-B89D-A344-ADCA-DB5800654874}"/>
               </a:ext>
             </a:extLst>
           </p:cNvPr>
@@ -25661,7 +25661,7 @@
           <p:cNvPr id="3" name="Content Placeholder 2">
             <a:extLst>
               <a:ext uri="{FF2B5EF4-FFF2-40B4-BE49-F238E27FC236}">
-                <a16:creationId xmlns:a16="http://schemas.microsoft.com/office/drawing/2014/main" id="{7A4914F0-0989-7B4C-8CBD-4381FD563937}"/>
+                <a16:creationId xmlns:a16="http://schemas.microsoft.com/office/drawing/2014/main" xmlns="" id="{7A4914F0-0989-7B4C-8CBD-4381FD563937}"/>
               </a:ext>
             </a:extLst>
           </p:cNvPr>
@@ -25760,7 +25760,7 @@
           <p:cNvPr id="4" name="Content Placeholder 2">
             <a:extLst>
               <a:ext uri="{FF2B5EF4-FFF2-40B4-BE49-F238E27FC236}">
-                <a16:creationId xmlns:a16="http://schemas.microsoft.com/office/drawing/2014/main" id="{BBB50FF3-0EFA-CB4C-B1E8-09F9E0A94037}"/>
+                <a16:creationId xmlns:a16="http://schemas.microsoft.com/office/drawing/2014/main" xmlns="" id="{BBB50FF3-0EFA-CB4C-B1E8-09F9E0A94037}"/>
               </a:ext>
             </a:extLst>
           </p:cNvPr>
@@ -26823,7 +26823,7 @@
           <p:cNvPr id="2" name="Title 1">
             <a:extLst>
               <a:ext uri="{FF2B5EF4-FFF2-40B4-BE49-F238E27FC236}">
-                <a16:creationId xmlns:a16="http://schemas.microsoft.com/office/drawing/2014/main" id="{E30F1536-6694-854E-9216-F02C669EED67}"/>
+                <a16:creationId xmlns:a16="http://schemas.microsoft.com/office/drawing/2014/main" xmlns="" id="{E30F1536-6694-854E-9216-F02C669EED67}"/>
               </a:ext>
             </a:extLst>
           </p:cNvPr>
@@ -26864,6 +26864,10 @@
               </a:rPr>
               <a:t>eval</a:t>
             </a:r>
+            <a:r>
+              <a:rPr lang="en-US" dirty="0"/>
+              <a:t/>
+            </a:r>
             <a:br>
               <a:rPr lang="en-US" dirty="0"/>
             </a:br>
@@ -26899,7 +26903,7 @@
           <p:cNvPr id="3" name="Content Placeholder 2">
             <a:extLst>
               <a:ext uri="{FF2B5EF4-FFF2-40B4-BE49-F238E27FC236}">
-                <a16:creationId xmlns:a16="http://schemas.microsoft.com/office/drawing/2014/main" id="{A595EB33-8D12-8240-90C6-142FEC23E5E5}"/>
+                <a16:creationId xmlns:a16="http://schemas.microsoft.com/office/drawing/2014/main" xmlns="" id="{A595EB33-8D12-8240-90C6-142FEC23E5E5}"/>
               </a:ext>
             </a:extLst>
           </p:cNvPr>
@@ -27047,7 +27051,7 @@
           <p:cNvPr id="4" name="Content Placeholder 2">
             <a:extLst>
               <a:ext uri="{FF2B5EF4-FFF2-40B4-BE49-F238E27FC236}">
-                <a16:creationId xmlns:a16="http://schemas.microsoft.com/office/drawing/2014/main" id="{056BCDE2-0A4A-EB4B-AE24-A5AD4BCD924A}"/>
+                <a16:creationId xmlns:a16="http://schemas.microsoft.com/office/drawing/2014/main" xmlns="" id="{056BCDE2-0A4A-EB4B-AE24-A5AD4BCD924A}"/>
               </a:ext>
             </a:extLst>
           </p:cNvPr>
@@ -28566,7 +28570,7 @@
           <p:cNvPr id="2" name="Title 1">
             <a:extLst>
               <a:ext uri="{FF2B5EF4-FFF2-40B4-BE49-F238E27FC236}">
-                <a16:creationId xmlns:a16="http://schemas.microsoft.com/office/drawing/2014/main" id="{43287367-76A1-B948-ABDE-04E3F5F5736F}"/>
+                <a16:creationId xmlns:a16="http://schemas.microsoft.com/office/drawing/2014/main" xmlns="" id="{43287367-76A1-B948-ABDE-04E3F5F5736F}"/>
               </a:ext>
             </a:extLst>
           </p:cNvPr>
@@ -28608,7 +28612,7 @@
           <p:cNvPr id="4" name="Content Placeholder 2">
             <a:extLst>
               <a:ext uri="{FF2B5EF4-FFF2-40B4-BE49-F238E27FC236}">
-                <a16:creationId xmlns:a16="http://schemas.microsoft.com/office/drawing/2014/main" id="{FC519D42-40F8-C741-9B2B-CE0A832E3287}"/>
+                <a16:creationId xmlns:a16="http://schemas.microsoft.com/office/drawing/2014/main" xmlns="" id="{FC519D42-40F8-C741-9B2B-CE0A832E3287}"/>
               </a:ext>
             </a:extLst>
           </p:cNvPr>
@@ -29049,7 +29053,7 @@
           <p:cNvPr id="5" name="Left Brace 4">
             <a:extLst>
               <a:ext uri="{FF2B5EF4-FFF2-40B4-BE49-F238E27FC236}">
-                <a16:creationId xmlns:a16="http://schemas.microsoft.com/office/drawing/2014/main" id="{DA5DF7EB-CB38-A342-A3AD-8B16C93708C7}"/>
+                <a16:creationId xmlns:a16="http://schemas.microsoft.com/office/drawing/2014/main" xmlns="" id="{DA5DF7EB-CB38-A342-A3AD-8B16C93708C7}"/>
               </a:ext>
             </a:extLst>
           </p:cNvPr>
@@ -29097,7 +29101,7 @@
           <p:cNvPr id="6" name="TextBox 5">
             <a:extLst>
               <a:ext uri="{FF2B5EF4-FFF2-40B4-BE49-F238E27FC236}">
-                <a16:creationId xmlns:a16="http://schemas.microsoft.com/office/drawing/2014/main" id="{2B9DD47B-C3AE-F14B-B7FA-08B66FAA3C73}"/>
+                <a16:creationId xmlns:a16="http://schemas.microsoft.com/office/drawing/2014/main" xmlns="" id="{2B9DD47B-C3AE-F14B-B7FA-08B66FAA3C73}"/>
               </a:ext>
             </a:extLst>
           </p:cNvPr>
@@ -29138,7 +29142,7 @@
           <p:cNvPr id="9" name="Curved Connector 8">
             <a:extLst>
               <a:ext uri="{FF2B5EF4-FFF2-40B4-BE49-F238E27FC236}">
-                <a16:creationId xmlns:a16="http://schemas.microsoft.com/office/drawing/2014/main" id="{D2710C5A-E075-0941-818E-1DFDA3F6AC55}"/>
+                <a16:creationId xmlns:a16="http://schemas.microsoft.com/office/drawing/2014/main" xmlns="" id="{D2710C5A-E075-0941-818E-1DFDA3F6AC55}"/>
               </a:ext>
             </a:extLst>
           </p:cNvPr>
@@ -29850,7 +29854,7 @@
           <p:cNvPr id="5" name="Vertical Scroll 4">
             <a:extLst>
               <a:ext uri="{FF2B5EF4-FFF2-40B4-BE49-F238E27FC236}">
-                <a16:creationId xmlns:a16="http://schemas.microsoft.com/office/drawing/2014/main" id="{0B45E535-C43B-F142-9357-2E45EE1AD8D1}"/>
+                <a16:creationId xmlns:a16="http://schemas.microsoft.com/office/drawing/2014/main" xmlns="" id="{0B45E535-C43B-F142-9357-2E45EE1AD8D1}"/>
               </a:ext>
             </a:extLst>
           </p:cNvPr>
@@ -29899,7 +29903,7 @@
           <p:cNvPr id="6" name="Right Arrow 5">
             <a:extLst>
               <a:ext uri="{FF2B5EF4-FFF2-40B4-BE49-F238E27FC236}">
-                <a16:creationId xmlns:a16="http://schemas.microsoft.com/office/drawing/2014/main" id="{C37AB4B5-4A5F-844D-85C6-A6D0A6F81B58}"/>
+                <a16:creationId xmlns:a16="http://schemas.microsoft.com/office/drawing/2014/main" xmlns="" id="{C37AB4B5-4A5F-844D-85C6-A6D0A6F81B58}"/>
               </a:ext>
             </a:extLst>
           </p:cNvPr>
@@ -29945,7 +29949,7 @@
           <p:cNvPr id="7" name="Cube 6">
             <a:extLst>
               <a:ext uri="{FF2B5EF4-FFF2-40B4-BE49-F238E27FC236}">
-                <a16:creationId xmlns:a16="http://schemas.microsoft.com/office/drawing/2014/main" id="{990C9229-7EDA-7F40-AF9E-C0B5BFF8BA25}"/>
+                <a16:creationId xmlns:a16="http://schemas.microsoft.com/office/drawing/2014/main" xmlns="" id="{990C9229-7EDA-7F40-AF9E-C0B5BFF8BA25}"/>
               </a:ext>
             </a:extLst>
           </p:cNvPr>
@@ -29994,7 +29998,7 @@
           <p:cNvPr id="8" name="Right Arrow 7">
             <a:extLst>
               <a:ext uri="{FF2B5EF4-FFF2-40B4-BE49-F238E27FC236}">
-                <a16:creationId xmlns:a16="http://schemas.microsoft.com/office/drawing/2014/main" id="{7FE4B62B-EE58-CF45-90CD-D504E59ED5AC}"/>
+                <a16:creationId xmlns:a16="http://schemas.microsoft.com/office/drawing/2014/main" xmlns="" id="{7FE4B62B-EE58-CF45-90CD-D504E59ED5AC}"/>
               </a:ext>
             </a:extLst>
           </p:cNvPr>
@@ -30040,7 +30044,7 @@
           <p:cNvPr id="9" name="Right Arrow 8">
             <a:extLst>
               <a:ext uri="{FF2B5EF4-FFF2-40B4-BE49-F238E27FC236}">
-                <a16:creationId xmlns:a16="http://schemas.microsoft.com/office/drawing/2014/main" id="{4F8173C9-B224-8A4C-981D-CA64BF6A6F6B}"/>
+                <a16:creationId xmlns:a16="http://schemas.microsoft.com/office/drawing/2014/main" xmlns="" id="{4F8173C9-B224-8A4C-981D-CA64BF6A6F6B}"/>
               </a:ext>
             </a:extLst>
           </p:cNvPr>
@@ -30086,7 +30090,7 @@
           <p:cNvPr id="14" name="Rectangle 13">
             <a:extLst>
               <a:ext uri="{FF2B5EF4-FFF2-40B4-BE49-F238E27FC236}">
-                <a16:creationId xmlns:a16="http://schemas.microsoft.com/office/drawing/2014/main" id="{B1AA3A83-57BE-FC46-B7A4-B5F0FF16372C}"/>
+                <a16:creationId xmlns:a16="http://schemas.microsoft.com/office/drawing/2014/main" xmlns="" id="{B1AA3A83-57BE-FC46-B7A4-B5F0FF16372C}"/>
               </a:ext>
             </a:extLst>
           </p:cNvPr>
@@ -30400,7 +30404,7 @@
           <p:cNvPr id="3" name="Content Placeholder 2">
             <a:extLst>
               <a:ext uri="{FF2B5EF4-FFF2-40B4-BE49-F238E27FC236}">
-                <a16:creationId xmlns:a16="http://schemas.microsoft.com/office/drawing/2014/main" id="{5F8F22FD-8EA7-3243-9349-9999AD433E69}"/>
+                <a16:creationId xmlns:a16="http://schemas.microsoft.com/office/drawing/2014/main" xmlns="" id="{5F8F22FD-8EA7-3243-9349-9999AD433E69}"/>
               </a:ext>
             </a:extLst>
           </p:cNvPr>
@@ -30491,7 +30495,7 @@
           <p:cNvPr id="2" name="Title 1">
             <a:extLst>
               <a:ext uri="{FF2B5EF4-FFF2-40B4-BE49-F238E27FC236}">
-                <a16:creationId xmlns:a16="http://schemas.microsoft.com/office/drawing/2014/main" id="{60372568-3DA9-2644-AF89-03CAEC1290B8}"/>
+                <a16:creationId xmlns:a16="http://schemas.microsoft.com/office/drawing/2014/main" xmlns="" id="{60372568-3DA9-2644-AF89-03CAEC1290B8}"/>
               </a:ext>
             </a:extLst>
           </p:cNvPr>
@@ -30524,7 +30528,7 @@
           <p:cNvPr id="4" name="Content Placeholder 2">
             <a:extLst>
               <a:ext uri="{FF2B5EF4-FFF2-40B4-BE49-F238E27FC236}">
-                <a16:creationId xmlns:a16="http://schemas.microsoft.com/office/drawing/2014/main" id="{E16DC445-5607-284E-929A-F9CF5C2DA6F7}"/>
+                <a16:creationId xmlns:a16="http://schemas.microsoft.com/office/drawing/2014/main" xmlns="" id="{E16DC445-5607-284E-929A-F9CF5C2DA6F7}"/>
               </a:ext>
             </a:extLst>
           </p:cNvPr>
@@ -31765,7 +31769,7 @@
           <p:cNvPr id="2" name="Title 1">
             <a:extLst>
               <a:ext uri="{FF2B5EF4-FFF2-40B4-BE49-F238E27FC236}">
-                <a16:creationId xmlns:a16="http://schemas.microsoft.com/office/drawing/2014/main" id="{7742DF97-4E5B-F845-B6E6-BBBCB40F776B}"/>
+                <a16:creationId xmlns:a16="http://schemas.microsoft.com/office/drawing/2014/main" xmlns="" id="{7742DF97-4E5B-F845-B6E6-BBBCB40F776B}"/>
               </a:ext>
             </a:extLst>
           </p:cNvPr>
@@ -31805,7 +31809,7 @@
           <p:cNvPr id="4" name="Content Placeholder 2">
             <a:extLst>
               <a:ext uri="{FF2B5EF4-FFF2-40B4-BE49-F238E27FC236}">
-                <a16:creationId xmlns:a16="http://schemas.microsoft.com/office/drawing/2014/main" id="{194C4CD7-90ED-4240-AA7B-5DE49A1CAAFC}"/>
+                <a16:creationId xmlns:a16="http://schemas.microsoft.com/office/drawing/2014/main" xmlns="" id="{194C4CD7-90ED-4240-AA7B-5DE49A1CAAFC}"/>
               </a:ext>
             </a:extLst>
           </p:cNvPr>
@@ -33195,7 +33199,7 @@
           <p:cNvPr id="2" name="Title 1">
             <a:extLst>
               <a:ext uri="{FF2B5EF4-FFF2-40B4-BE49-F238E27FC236}">
-                <a16:creationId xmlns:a16="http://schemas.microsoft.com/office/drawing/2014/main" id="{60372568-3DA9-2644-AF89-03CAEC1290B8}"/>
+                <a16:creationId xmlns:a16="http://schemas.microsoft.com/office/drawing/2014/main" xmlns="" id="{60372568-3DA9-2644-AF89-03CAEC1290B8}"/>
               </a:ext>
             </a:extLst>
           </p:cNvPr>
@@ -33228,7 +33232,7 @@
           <p:cNvPr id="4" name="Content Placeholder 2">
             <a:extLst>
               <a:ext uri="{FF2B5EF4-FFF2-40B4-BE49-F238E27FC236}">
-                <a16:creationId xmlns:a16="http://schemas.microsoft.com/office/drawing/2014/main" id="{E16DC445-5607-284E-929A-F9CF5C2DA6F7}"/>
+                <a16:creationId xmlns:a16="http://schemas.microsoft.com/office/drawing/2014/main" xmlns="" id="{E16DC445-5607-284E-929A-F9CF5C2DA6F7}"/>
               </a:ext>
             </a:extLst>
           </p:cNvPr>
@@ -34378,7 +34382,7 @@
           <p:cNvPr id="2" name="Title 1">
             <a:extLst>
               <a:ext uri="{FF2B5EF4-FFF2-40B4-BE49-F238E27FC236}">
-                <a16:creationId xmlns:a16="http://schemas.microsoft.com/office/drawing/2014/main" id="{B8261A0E-C4A0-BE43-B1DE-CCE4F8D1E77C}"/>
+                <a16:creationId xmlns:a16="http://schemas.microsoft.com/office/drawing/2014/main" xmlns="" id="{B8261A0E-C4A0-BE43-B1DE-CCE4F8D1E77C}"/>
               </a:ext>
             </a:extLst>
           </p:cNvPr>
@@ -34411,7 +34415,7 @@
           <p:cNvPr id="3" name="Content Placeholder 2">
             <a:extLst>
               <a:ext uri="{FF2B5EF4-FFF2-40B4-BE49-F238E27FC236}">
-                <a16:creationId xmlns:a16="http://schemas.microsoft.com/office/drawing/2014/main" id="{823F2940-FADE-BC43-990D-D51E051AA396}"/>
+                <a16:creationId xmlns:a16="http://schemas.microsoft.com/office/drawing/2014/main" xmlns="" id="{823F2940-FADE-BC43-990D-D51E051AA396}"/>
               </a:ext>
             </a:extLst>
           </p:cNvPr>
@@ -34593,7 +34597,7 @@
           <p:cNvPr id="2" name="Title 1">
             <a:extLst>
               <a:ext uri="{FF2B5EF4-FFF2-40B4-BE49-F238E27FC236}">
-                <a16:creationId xmlns:a16="http://schemas.microsoft.com/office/drawing/2014/main" id="{C947FF7E-C7E3-FB40-81F3-B3A006D21F4F}"/>
+                <a16:creationId xmlns:a16="http://schemas.microsoft.com/office/drawing/2014/main" xmlns="" id="{C947FF7E-C7E3-FB40-81F3-B3A006D21F4F}"/>
               </a:ext>
             </a:extLst>
           </p:cNvPr>
@@ -34621,7 +34625,7 @@
           <p:cNvPr id="3" name="Content Placeholder 2">
             <a:extLst>
               <a:ext uri="{FF2B5EF4-FFF2-40B4-BE49-F238E27FC236}">
-                <a16:creationId xmlns:a16="http://schemas.microsoft.com/office/drawing/2014/main" id="{4F25CABB-815C-034B-8F1E-D534A615E19E}"/>
+                <a16:creationId xmlns:a16="http://schemas.microsoft.com/office/drawing/2014/main" xmlns="" id="{4F25CABB-815C-034B-8F1E-D534A615E19E}"/>
               </a:ext>
             </a:extLst>
           </p:cNvPr>
@@ -34649,20 +34653,20 @@
               <a:t>The </a:t>
             </a:r>
             <a:r>
-              <a:rPr lang="en-US" dirty="0" err="1"/>
-              <a:t>abilty</a:t>
+              <a:rPr lang="en-US" dirty="0" smtClean="0"/>
+              <a:t>ability </a:t>
             </a:r>
             <a:r>
               <a:rPr lang="en-US" dirty="0"/>
-              <a:t> of a program to view and modify its own </a:t>
-            </a:r>
-            <a:r>
-              <a:rPr lang="en-US" dirty="0" err="1"/>
-              <a:t>stucture</a:t>
+              <a:t>of a program to view and modify its own </a:t>
+            </a:r>
+            <a:r>
+              <a:rPr lang="en-US" dirty="0" smtClean="0"/>
+              <a:t>structure </a:t>
             </a:r>
             <a:r>
               <a:rPr lang="en-US" dirty="0"/>
-              <a:t> at runtime.</a:t>
+              <a:t>at runtime.</a:t>
             </a:r>
           </a:p>
           <a:p>
@@ -34725,7 +34729,7 @@
           <p:cNvPr id="2" name="Title 1">
             <a:extLst>
               <a:ext uri="{FF2B5EF4-FFF2-40B4-BE49-F238E27FC236}">
-                <a16:creationId xmlns:a16="http://schemas.microsoft.com/office/drawing/2014/main" id="{60372568-3DA9-2644-AF89-03CAEC1290B8}"/>
+                <a16:creationId xmlns:a16="http://schemas.microsoft.com/office/drawing/2014/main" xmlns="" id="{60372568-3DA9-2644-AF89-03CAEC1290B8}"/>
               </a:ext>
             </a:extLst>
           </p:cNvPr>
@@ -34758,7 +34762,7 @@
           <p:cNvPr id="4" name="Content Placeholder 2">
             <a:extLst>
               <a:ext uri="{FF2B5EF4-FFF2-40B4-BE49-F238E27FC236}">
-                <a16:creationId xmlns:a16="http://schemas.microsoft.com/office/drawing/2014/main" id="{E16DC445-5607-284E-929A-F9CF5C2DA6F7}"/>
+                <a16:creationId xmlns:a16="http://schemas.microsoft.com/office/drawing/2014/main" xmlns="" id="{E16DC445-5607-284E-929A-F9CF5C2DA6F7}"/>
               </a:ext>
             </a:extLst>
           </p:cNvPr>
@@ -35908,7 +35912,7 @@
           <p:cNvPr id="2" name="Title 1">
             <a:extLst>
               <a:ext uri="{FF2B5EF4-FFF2-40B4-BE49-F238E27FC236}">
-                <a16:creationId xmlns:a16="http://schemas.microsoft.com/office/drawing/2014/main" id="{725223FE-9C90-7B40-A70B-C7F7DCA3DE0A}"/>
+                <a16:creationId xmlns:a16="http://schemas.microsoft.com/office/drawing/2014/main" xmlns="" id="{725223FE-9C90-7B40-A70B-C7F7DCA3DE0A}"/>
               </a:ext>
             </a:extLst>
           </p:cNvPr>
@@ -35941,7 +35945,7 @@
           <p:cNvPr id="3" name="Content Placeholder 2">
             <a:extLst>
               <a:ext uri="{FF2B5EF4-FFF2-40B4-BE49-F238E27FC236}">
-                <a16:creationId xmlns:a16="http://schemas.microsoft.com/office/drawing/2014/main" id="{E94BD50A-2E47-5C40-99C8-B1F8E6FEA1B1}"/>
+                <a16:creationId xmlns:a16="http://schemas.microsoft.com/office/drawing/2014/main" xmlns="" id="{E94BD50A-2E47-5C40-99C8-B1F8E6FEA1B1}"/>
               </a:ext>
             </a:extLst>
           </p:cNvPr>
@@ -37162,7 +37166,7 @@
           <p:cNvPr id="4" name="Content Placeholder 2">
             <a:extLst>
               <a:ext uri="{FF2B5EF4-FFF2-40B4-BE49-F238E27FC236}">
-                <a16:creationId xmlns:a16="http://schemas.microsoft.com/office/drawing/2014/main" id="{04056B42-0AE1-4640-A57D-55DF85BBA7D7}"/>
+                <a16:creationId xmlns:a16="http://schemas.microsoft.com/office/drawing/2014/main" xmlns="" id="{04056B42-0AE1-4640-A57D-55DF85BBA7D7}"/>
               </a:ext>
             </a:extLst>
           </p:cNvPr>
@@ -37598,7 +37602,7 @@
           <p:cNvPr id="5" name="Content Placeholder 2">
             <a:extLst>
               <a:ext uri="{FF2B5EF4-FFF2-40B4-BE49-F238E27FC236}">
-                <a16:creationId xmlns:a16="http://schemas.microsoft.com/office/drawing/2014/main" id="{EFD56088-7B90-514A-AEF3-D581055E9479}"/>
+                <a16:creationId xmlns:a16="http://schemas.microsoft.com/office/drawing/2014/main" xmlns="" id="{EFD56088-7B90-514A-AEF3-D581055E9479}"/>
               </a:ext>
             </a:extLst>
           </p:cNvPr>
@@ -37966,7 +37970,7 @@
           <p:cNvPr id="6" name="TextBox 5">
             <a:extLst>
               <a:ext uri="{FF2B5EF4-FFF2-40B4-BE49-F238E27FC236}">
-                <a16:creationId xmlns:a16="http://schemas.microsoft.com/office/drawing/2014/main" id="{83AA6BC8-9E42-2049-A709-C87ABE875349}"/>
+                <a16:creationId xmlns:a16="http://schemas.microsoft.com/office/drawing/2014/main" xmlns="" id="{83AA6BC8-9E42-2049-A709-C87ABE875349}"/>
               </a:ext>
             </a:extLst>
           </p:cNvPr>
@@ -38018,7 +38022,7 @@
           <p:cNvPr id="8" name="Straight Arrow Connector 7">
             <a:extLst>
               <a:ext uri="{FF2B5EF4-FFF2-40B4-BE49-F238E27FC236}">
-                <a16:creationId xmlns:a16="http://schemas.microsoft.com/office/drawing/2014/main" id="{A922F8A6-2002-F046-BC6C-D70D55A5D97C}"/>
+                <a16:creationId xmlns:a16="http://schemas.microsoft.com/office/drawing/2014/main" xmlns="" id="{A922F8A6-2002-F046-BC6C-D70D55A5D97C}"/>
               </a:ext>
             </a:extLst>
           </p:cNvPr>
@@ -38057,7 +38061,7 @@
           <p:cNvPr id="10" name="Straight Arrow Connector 9">
             <a:extLst>
               <a:ext uri="{FF2B5EF4-FFF2-40B4-BE49-F238E27FC236}">
-                <a16:creationId xmlns:a16="http://schemas.microsoft.com/office/drawing/2014/main" id="{5B9521EF-9897-0446-BA4E-40006994D4F6}"/>
+                <a16:creationId xmlns:a16="http://schemas.microsoft.com/office/drawing/2014/main" xmlns="" id="{5B9521EF-9897-0446-BA4E-40006994D4F6}"/>
               </a:ext>
             </a:extLst>
           </p:cNvPr>
@@ -38098,7 +38102,7 @@
           <p:cNvPr id="12" name="Straight Arrow Connector 11">
             <a:extLst>
               <a:ext uri="{FF2B5EF4-FFF2-40B4-BE49-F238E27FC236}">
-                <a16:creationId xmlns:a16="http://schemas.microsoft.com/office/drawing/2014/main" id="{EF424737-088B-EC44-B25D-0FD67E3CBDF9}"/>
+                <a16:creationId xmlns:a16="http://schemas.microsoft.com/office/drawing/2014/main" xmlns="" id="{EF424737-088B-EC44-B25D-0FD67E3CBDF9}"/>
               </a:ext>
             </a:extLst>
           </p:cNvPr>
@@ -39450,7 +39454,7 @@
           <p:cNvPr id="2" name="Title 1">
             <a:extLst>
               <a:ext uri="{FF2B5EF4-FFF2-40B4-BE49-F238E27FC236}">
-                <a16:creationId xmlns:a16="http://schemas.microsoft.com/office/drawing/2014/main" id="{60372568-3DA9-2644-AF89-03CAEC1290B8}"/>
+                <a16:creationId xmlns:a16="http://schemas.microsoft.com/office/drawing/2014/main" xmlns="" id="{60372568-3DA9-2644-AF89-03CAEC1290B8}"/>
               </a:ext>
             </a:extLst>
           </p:cNvPr>
@@ -39483,7 +39487,7 @@
           <p:cNvPr id="4" name="Content Placeholder 2">
             <a:extLst>
               <a:ext uri="{FF2B5EF4-FFF2-40B4-BE49-F238E27FC236}">
-                <a16:creationId xmlns:a16="http://schemas.microsoft.com/office/drawing/2014/main" id="{E16DC445-5607-284E-929A-F9CF5C2DA6F7}"/>
+                <a16:creationId xmlns:a16="http://schemas.microsoft.com/office/drawing/2014/main" xmlns="" id="{E16DC445-5607-284E-929A-F9CF5C2DA6F7}"/>
               </a:ext>
             </a:extLst>
           </p:cNvPr>
@@ -40672,7 +40676,7 @@
           <p:cNvPr id="2" name="Title 1">
             <a:extLst>
               <a:ext uri="{FF2B5EF4-FFF2-40B4-BE49-F238E27FC236}">
-                <a16:creationId xmlns:a16="http://schemas.microsoft.com/office/drawing/2014/main" id="{1E5231B3-24A8-C344-98BF-39502983E9BC}"/>
+                <a16:creationId xmlns:a16="http://schemas.microsoft.com/office/drawing/2014/main" xmlns="" id="{1E5231B3-24A8-C344-98BF-39502983E9BC}"/>
               </a:ext>
             </a:extLst>
           </p:cNvPr>
@@ -40717,7 +40721,7 @@
           <p:cNvPr id="3" name="Content Placeholder 2">
             <a:extLst>
               <a:ext uri="{FF2B5EF4-FFF2-40B4-BE49-F238E27FC236}">
-                <a16:creationId xmlns:a16="http://schemas.microsoft.com/office/drawing/2014/main" id="{2ABDB2B9-47CE-C64C-B39A-646B5CAA772E}"/>
+                <a16:creationId xmlns:a16="http://schemas.microsoft.com/office/drawing/2014/main" xmlns="" id="{2ABDB2B9-47CE-C64C-B39A-646B5CAA772E}"/>
               </a:ext>
             </a:extLst>
           </p:cNvPr>
@@ -40811,7 +40815,7 @@
           <p:cNvPr id="4" name="Content Placeholder 2">
             <a:extLst>
               <a:ext uri="{FF2B5EF4-FFF2-40B4-BE49-F238E27FC236}">
-                <a16:creationId xmlns:a16="http://schemas.microsoft.com/office/drawing/2014/main" id="{B65B3CDD-5F4A-D943-9907-15FAA39405F5}"/>
+                <a16:creationId xmlns:a16="http://schemas.microsoft.com/office/drawing/2014/main" xmlns="" id="{B65B3CDD-5F4A-D943-9907-15FAA39405F5}"/>
               </a:ext>
             </a:extLst>
           </p:cNvPr>
@@ -41393,7 +41397,7 @@
           <p:cNvPr id="5" name="Content Placeholder 2">
             <a:extLst>
               <a:ext uri="{FF2B5EF4-FFF2-40B4-BE49-F238E27FC236}">
-                <a16:creationId xmlns:a16="http://schemas.microsoft.com/office/drawing/2014/main" id="{D1659615-128C-984C-91BC-6EBDF4641E4C}"/>
+                <a16:creationId xmlns:a16="http://schemas.microsoft.com/office/drawing/2014/main" xmlns="" id="{D1659615-128C-984C-91BC-6EBDF4641E4C}"/>
               </a:ext>
             </a:extLst>
           </p:cNvPr>
